--- a/dev/ui/us/pics/NSPanel - US.pptx
+++ b/dev/ui/us/pics/NSPanel - US.pptx
@@ -6,8 +6,9 @@
   </p:sldMasterIdLst>
   <p:sldIdLst>
     <p:sldId id="258" r:id="rId2"/>
-    <p:sldId id="260" r:id="rId3"/>
-    <p:sldId id="262" r:id="rId4"/>
+    <p:sldId id="263" r:id="rId3"/>
+    <p:sldId id="260" r:id="rId4"/>
+    <p:sldId id="262" r:id="rId5"/>
   </p:sldIdLst>
   <p:sldSz cx="3048000" cy="4572000"/>
   <p:notesSz cx="6858000" cy="9144000"/>
@@ -117,7 +118,7 @@
 <file path=ppt/revisionInfo.xml><?xml version="1.0" encoding="utf-8"?>
 <p1510:revInfo xmlns:a="http://schemas.openxmlformats.org/drawingml/2006/main" xmlns:r="http://schemas.openxmlformats.org/officeDocument/2006/relationships" xmlns:p1510="http://schemas.microsoft.com/office/powerpoint/2015/10/main">
   <p1510:revLst>
-    <p1510:client id="{FD80C778-99A6-48B0-9013-6975E1DA3DE2}" v="4" dt="2023-12-16T12:42:57.379"/>
+    <p1510:client id="{FD80C778-99A6-48B0-9013-6975E1DA3DE2}" v="7" dt="2024-01-20T13:49:35.906"/>
   </p1510:revLst>
 </p1510:revInfo>
 </file>
@@ -127,7 +128,7 @@
   <pc:docChgLst>
     <pc:chgData name="Edward Firmo" userId="a172d909a3b48d48" providerId="LiveId" clId="{FD80C778-99A6-48B0-9013-6975E1DA3DE2}"/>
     <pc:docChg chg="undo custSel addSld delSld modSld">
-      <pc:chgData name="Edward Firmo" userId="a172d909a3b48d48" providerId="LiveId" clId="{FD80C778-99A6-48B0-9013-6975E1DA3DE2}" dt="2023-12-16T12:43:29.098" v="30" actId="47"/>
+      <pc:chgData name="Edward Firmo" userId="a172d909a3b48d48" providerId="LiveId" clId="{FD80C778-99A6-48B0-9013-6975E1DA3DE2}" dt="2024-01-20T13:49:56.067" v="129" actId="1076"/>
       <pc:docMkLst>
         <pc:docMk/>
       </pc:docMkLst>
@@ -332,6 +333,37 @@
           </ac:spMkLst>
         </pc:spChg>
       </pc:sldChg>
+      <pc:sldChg chg="addSp modSp add mod">
+        <pc:chgData name="Edward Firmo" userId="a172d909a3b48d48" providerId="LiveId" clId="{FD80C778-99A6-48B0-9013-6975E1DA3DE2}" dt="2024-01-20T13:49:56.067" v="129" actId="1076"/>
+        <pc:sldMkLst>
+          <pc:docMk/>
+          <pc:sldMk cId="1439606373" sldId="263"/>
+        </pc:sldMkLst>
+        <pc:picChg chg="add mod">
+          <ac:chgData name="Edward Firmo" userId="a172d909a3b48d48" providerId="LiveId" clId="{FD80C778-99A6-48B0-9013-6975E1DA3DE2}" dt="2024-01-20T13:49:56.067" v="129" actId="1076"/>
+          <ac:picMkLst>
+            <pc:docMk/>
+            <pc:sldMk cId="1439606373" sldId="263"/>
+            <ac:picMk id="2" creationId="{5B63B5A7-0D5D-1A71-435F-BB635A8BA282}"/>
+          </ac:picMkLst>
+        </pc:picChg>
+        <pc:picChg chg="add mod">
+          <ac:chgData name="Edward Firmo" userId="a172d909a3b48d48" providerId="LiveId" clId="{FD80C778-99A6-48B0-9013-6975E1DA3DE2}" dt="2024-01-20T13:48:24.135" v="124" actId="1076"/>
+          <ac:picMkLst>
+            <pc:docMk/>
+            <pc:sldMk cId="1439606373" sldId="263"/>
+            <ac:picMk id="3" creationId="{12D5DFD8-8037-C70D-A947-3C129F0541A0}"/>
+          </ac:picMkLst>
+        </pc:picChg>
+        <pc:picChg chg="add mod">
+          <ac:chgData name="Edward Firmo" userId="a172d909a3b48d48" providerId="LiveId" clId="{FD80C778-99A6-48B0-9013-6975E1DA3DE2}" dt="2024-01-20T13:48:24.135" v="124" actId="1076"/>
+          <ac:picMkLst>
+            <pc:docMk/>
+            <pc:sldMk cId="1439606373" sldId="263"/>
+            <ac:picMk id="5" creationId="{ACCA1889-0EFB-DEF8-D0DF-C32205ED2ACB}"/>
+          </ac:picMkLst>
+        </pc:picChg>
+      </pc:sldChg>
     </pc:docChg>
   </pc:docChgLst>
 </pc:chgInfo>
@@ -468,7 +500,7 @@
           <a:p>
             <a:fld id="{024B8AE9-66EA-4D6A-A8A7-9C9BEADD6B50}" type="datetimeFigureOut">
               <a:rPr lang="en-SE" smtClean="0"/>
-              <a:t>2023-12-16</a:t>
+              <a:t>2024-01-20</a:t>
             </a:fld>
             <a:endParaRPr lang="en-SE"/>
           </a:p>
@@ -638,7 +670,7 @@
           <a:p>
             <a:fld id="{024B8AE9-66EA-4D6A-A8A7-9C9BEADD6B50}" type="datetimeFigureOut">
               <a:rPr lang="en-SE" smtClean="0"/>
-              <a:t>2023-12-16</a:t>
+              <a:t>2024-01-20</a:t>
             </a:fld>
             <a:endParaRPr lang="en-SE"/>
           </a:p>
@@ -818,7 +850,7 @@
           <a:p>
             <a:fld id="{024B8AE9-66EA-4D6A-A8A7-9C9BEADD6B50}" type="datetimeFigureOut">
               <a:rPr lang="en-SE" smtClean="0"/>
-              <a:t>2023-12-16</a:t>
+              <a:t>2024-01-20</a:t>
             </a:fld>
             <a:endParaRPr lang="en-SE"/>
           </a:p>
@@ -988,7 +1020,7 @@
           <a:p>
             <a:fld id="{024B8AE9-66EA-4D6A-A8A7-9C9BEADD6B50}" type="datetimeFigureOut">
               <a:rPr lang="en-SE" smtClean="0"/>
-              <a:t>2023-12-16</a:t>
+              <a:t>2024-01-20</a:t>
             </a:fld>
             <a:endParaRPr lang="en-SE"/>
           </a:p>
@@ -1232,7 +1264,7 @@
           <a:p>
             <a:fld id="{024B8AE9-66EA-4D6A-A8A7-9C9BEADD6B50}" type="datetimeFigureOut">
               <a:rPr lang="en-SE" smtClean="0"/>
-              <a:t>2023-12-16</a:t>
+              <a:t>2024-01-20</a:t>
             </a:fld>
             <a:endParaRPr lang="en-SE"/>
           </a:p>
@@ -1464,7 +1496,7 @@
           <a:p>
             <a:fld id="{024B8AE9-66EA-4D6A-A8A7-9C9BEADD6B50}" type="datetimeFigureOut">
               <a:rPr lang="en-SE" smtClean="0"/>
-              <a:t>2023-12-16</a:t>
+              <a:t>2024-01-20</a:t>
             </a:fld>
             <a:endParaRPr lang="en-SE"/>
           </a:p>
@@ -1831,7 +1863,7 @@
           <a:p>
             <a:fld id="{024B8AE9-66EA-4D6A-A8A7-9C9BEADD6B50}" type="datetimeFigureOut">
               <a:rPr lang="en-SE" smtClean="0"/>
-              <a:t>2023-12-16</a:t>
+              <a:t>2024-01-20</a:t>
             </a:fld>
             <a:endParaRPr lang="en-SE"/>
           </a:p>
@@ -1949,7 +1981,7 @@
           <a:p>
             <a:fld id="{024B8AE9-66EA-4D6A-A8A7-9C9BEADD6B50}" type="datetimeFigureOut">
               <a:rPr lang="en-SE" smtClean="0"/>
-              <a:t>2023-12-16</a:t>
+              <a:t>2024-01-20</a:t>
             </a:fld>
             <a:endParaRPr lang="en-SE"/>
           </a:p>
@@ -2044,7 +2076,7 @@
           <a:p>
             <a:fld id="{024B8AE9-66EA-4D6A-A8A7-9C9BEADD6B50}" type="datetimeFigureOut">
               <a:rPr lang="en-SE" smtClean="0"/>
-              <a:t>2023-12-16</a:t>
+              <a:t>2024-01-20</a:t>
             </a:fld>
             <a:endParaRPr lang="en-SE"/>
           </a:p>
@@ -2321,7 +2353,7 @@
           <a:p>
             <a:fld id="{024B8AE9-66EA-4D6A-A8A7-9C9BEADD6B50}" type="datetimeFigureOut">
               <a:rPr lang="en-SE" smtClean="0"/>
-              <a:t>2023-12-16</a:t>
+              <a:t>2024-01-20</a:t>
             </a:fld>
             <a:endParaRPr lang="en-SE"/>
           </a:p>
@@ -2578,7 +2610,7 @@
           <a:p>
             <a:fld id="{024B8AE9-66EA-4D6A-A8A7-9C9BEADD6B50}" type="datetimeFigureOut">
               <a:rPr lang="en-SE" smtClean="0"/>
-              <a:t>2023-12-16</a:t>
+              <a:t>2024-01-20</a:t>
             </a:fld>
             <a:endParaRPr lang="en-SE"/>
           </a:p>
@@ -2791,7 +2823,7 @@
           <a:p>
             <a:fld id="{024B8AE9-66EA-4D6A-A8A7-9C9BEADD6B50}" type="datetimeFigureOut">
               <a:rPr lang="en-SE" smtClean="0"/>
-              <a:t>2023-12-16</a:t>
+              <a:t>2024-01-20</a:t>
             </a:fld>
             <a:endParaRPr lang="en-SE"/>
           </a:p>
@@ -3298,6 +3330,190 @@
           </a:prstGeom>
         </p:spPr>
       </p:pic>
+      <p:pic>
+        <p:nvPicPr>
+          <p:cNvPr id="2" name="Picture 1" descr="A circle with a rainbow colored circle&#10;&#10;Description automatically generated with medium confidence">
+            <a:extLst>
+              <a:ext uri="{FF2B5EF4-FFF2-40B4-BE49-F238E27FC236}">
+                <a16:creationId xmlns:a16="http://schemas.microsoft.com/office/drawing/2014/main" id="{5B63B5A7-0D5D-1A71-435F-BB635A8BA282}"/>
+              </a:ext>
+            </a:extLst>
+          </p:cNvPr>
+          <p:cNvPicPr>
+            <a:picLocks noChangeAspect="1"/>
+          </p:cNvPicPr>
+          <p:nvPr/>
+        </p:nvPicPr>
+        <p:blipFill>
+          <a:blip r:embed="rId3">
+            <a:clrChange>
+              <a:clrFrom>
+                <a:srgbClr val="000000"/>
+              </a:clrFrom>
+              <a:clrTo>
+                <a:srgbClr val="000000">
+                  <a:alpha val="0"/>
+                </a:srgbClr>
+              </a:clrTo>
+            </a:clrChange>
+            <a:extLst>
+              <a:ext uri="{28A0092B-C50C-407E-A947-70E740481C1C}">
+                <a14:useLocalDpi xmlns:a14="http://schemas.microsoft.com/office/drawing/2010/main" val="0"/>
+              </a:ext>
+            </a:extLst>
+          </a:blip>
+          <a:stretch>
+            <a:fillRect/>
+          </a:stretch>
+        </p:blipFill>
+        <p:spPr>
+          <a:xfrm>
+            <a:off x="571367" y="2560647"/>
+            <a:ext cx="1905266" cy="1905266"/>
+          </a:xfrm>
+          <a:prstGeom prst="rect">
+            <a:avLst/>
+          </a:prstGeom>
+        </p:spPr>
+      </p:pic>
+      <p:pic>
+        <p:nvPicPr>
+          <p:cNvPr id="3" name="Picture 2" descr="A yellow and white gradient&#10;&#10;Description automatically generated">
+            <a:extLst>
+              <a:ext uri="{FF2B5EF4-FFF2-40B4-BE49-F238E27FC236}">
+                <a16:creationId xmlns:a16="http://schemas.microsoft.com/office/drawing/2014/main" id="{12D5DFD8-8037-C70D-A947-3C129F0541A0}"/>
+              </a:ext>
+            </a:extLst>
+          </p:cNvPr>
+          <p:cNvPicPr>
+            <a:picLocks noChangeAspect="1"/>
+          </p:cNvPicPr>
+          <p:nvPr/>
+        </p:nvPicPr>
+        <p:blipFill>
+          <a:blip r:embed="rId4">
+            <a:extLst>
+              <a:ext uri="{28A0092B-C50C-407E-A947-70E740481C1C}">
+                <a14:useLocalDpi xmlns:a14="http://schemas.microsoft.com/office/drawing/2010/main" val="0"/>
+              </a:ext>
+            </a:extLst>
+          </a:blip>
+          <a:stretch>
+            <a:fillRect/>
+          </a:stretch>
+        </p:blipFill>
+        <p:spPr>
+          <a:xfrm>
+            <a:off x="1667008" y="322272"/>
+            <a:ext cx="809625" cy="2238375"/>
+          </a:xfrm>
+          <a:prstGeom prst="rect">
+            <a:avLst/>
+          </a:prstGeom>
+        </p:spPr>
+      </p:pic>
+      <p:pic>
+        <p:nvPicPr>
+          <p:cNvPr id="5" name="Picture 4" descr="A blue and white background&#10;&#10;Description automatically generated">
+            <a:extLst>
+              <a:ext uri="{FF2B5EF4-FFF2-40B4-BE49-F238E27FC236}">
+                <a16:creationId xmlns:a16="http://schemas.microsoft.com/office/drawing/2014/main" id="{ACCA1889-0EFB-DEF8-D0DF-C32205ED2ACB}"/>
+              </a:ext>
+            </a:extLst>
+          </p:cNvPr>
+          <p:cNvPicPr>
+            <a:picLocks noChangeAspect="1"/>
+          </p:cNvPicPr>
+          <p:nvPr/>
+        </p:nvPicPr>
+        <p:blipFill>
+          <a:blip r:embed="rId5">
+            <a:extLst>
+              <a:ext uri="{28A0092B-C50C-407E-A947-70E740481C1C}">
+                <a14:useLocalDpi xmlns:a14="http://schemas.microsoft.com/office/drawing/2010/main" val="0"/>
+              </a:ext>
+            </a:extLst>
+          </a:blip>
+          <a:stretch>
+            <a:fillRect/>
+          </a:stretch>
+        </p:blipFill>
+        <p:spPr>
+          <a:xfrm>
+            <a:off x="584564" y="322272"/>
+            <a:ext cx="809738" cy="2238687"/>
+          </a:xfrm>
+          <a:prstGeom prst="rect">
+            <a:avLst/>
+          </a:prstGeom>
+        </p:spPr>
+      </p:pic>
+    </p:spTree>
+    <p:extLst>
+      <p:ext uri="{BB962C8B-B14F-4D97-AF65-F5344CB8AC3E}">
+        <p14:creationId xmlns:p14="http://schemas.microsoft.com/office/powerpoint/2010/main" val="1439606373"/>
+      </p:ext>
+    </p:extLst>
+  </p:cSld>
+  <p:clrMapOvr>
+    <a:masterClrMapping/>
+  </p:clrMapOvr>
+</p:sld>
+</file>
+
+<file path=ppt/slides/slide3.xml><?xml version="1.0" encoding="utf-8"?>
+<p:sld xmlns:a="http://schemas.openxmlformats.org/drawingml/2006/main" xmlns:r="http://schemas.openxmlformats.org/officeDocument/2006/relationships" xmlns:p="http://schemas.openxmlformats.org/presentationml/2006/main">
+  <p:cSld>
+    <p:spTree>
+      <p:nvGrpSpPr>
+        <p:cNvPr id="1" name=""/>
+        <p:cNvGrpSpPr/>
+        <p:nvPr/>
+      </p:nvGrpSpPr>
+      <p:grpSpPr>
+        <a:xfrm>
+          <a:off x="0" y="0"/>
+          <a:ext cx="0" cy="0"/>
+          <a:chOff x="0" y="0"/>
+          <a:chExt cx="0" cy="0"/>
+        </a:xfrm>
+      </p:grpSpPr>
+      <p:pic>
+        <p:nvPicPr>
+          <p:cNvPr id="4" name="Picture 3" descr="A colorful waves on a black background&#10;&#10;Description automatically generated">
+            <a:extLst>
+              <a:ext uri="{FF2B5EF4-FFF2-40B4-BE49-F238E27FC236}">
+                <a16:creationId xmlns:a16="http://schemas.microsoft.com/office/drawing/2014/main" id="{F086EAF8-13C6-23DD-1547-4E35A34A1D12}"/>
+              </a:ext>
+            </a:extLst>
+          </p:cNvPr>
+          <p:cNvPicPr>
+            <a:picLocks noChangeAspect="1"/>
+          </p:cNvPicPr>
+          <p:nvPr/>
+        </p:nvPicPr>
+        <p:blipFill>
+          <a:blip r:embed="rId2">
+            <a:extLst>
+              <a:ext uri="{28A0092B-C50C-407E-A947-70E740481C1C}">
+                <a14:useLocalDpi xmlns:a14="http://schemas.microsoft.com/office/drawing/2010/main" val="0"/>
+              </a:ext>
+            </a:extLst>
+          </a:blip>
+          <a:stretch>
+            <a:fillRect/>
+          </a:stretch>
+        </p:blipFill>
+        <p:spPr>
+          <a:xfrm>
+            <a:off x="0" y="0"/>
+            <a:ext cx="3048000" cy="4572000"/>
+          </a:xfrm>
+          <a:prstGeom prst="rect">
+            <a:avLst/>
+          </a:prstGeom>
+        </p:spPr>
+      </p:pic>
       <p:sp>
         <p:nvSpPr>
           <p:cNvPr id="2" name="Rectangle: Rounded Corners 1">
@@ -3727,7 +3943,7 @@
 </p:sld>
 </file>
 
-<file path=ppt/slides/slide3.xml><?xml version="1.0" encoding="utf-8"?>
+<file path=ppt/slides/slide4.xml><?xml version="1.0" encoding="utf-8"?>
 <p:sld xmlns:a="http://schemas.openxmlformats.org/drawingml/2006/main" xmlns:r="http://schemas.openxmlformats.org/officeDocument/2006/relationships" xmlns:p="http://schemas.openxmlformats.org/presentationml/2006/main">
   <p:cSld>
     <p:spTree>
